--- a/plugfest/2018-prague/PlugfestSummary180326.pptx
+++ b/plugfest/2018-prague/PlugfestSummary180326.pptx
@@ -3261,11 +3261,195 @@
           <a:chExt cx="0" cy="0"/>
         </a:xfrm>
       </p:grpSpPr>
+      <p:sp>
+        <p:nvSpPr>
+          <p:cNvPr id="2" name="タイトル 1"/>
+          <p:cNvSpPr>
+            <a:spLocks noGrp="1"/>
+          </p:cNvSpPr>
+          <p:nvPr>
+            <p:ph type="ctrTitle"/>
+          </p:nvPr>
+        </p:nvSpPr>
+        <p:spPr>
+          <a:xfrm>
+            <a:off x="546100" y="193675"/>
+            <a:ext cx="7975600" cy="1481804"/>
+          </a:xfrm>
+        </p:spPr>
+        <p:txBody>
+          <a:bodyPr>
+            <a:noAutofit/>
+          </a:bodyPr>
+          <a:lstStyle/>
+          <a:p>
+            <a:r>
+              <a:rPr lang="en-US" altLang="ja-JP" sz="3600" dirty="0"/>
+              <a:t>Summary of </a:t>
+            </a:r>
+            <a:r>
+              <a:rPr lang="en-US" altLang="ja-JP" sz="3600" dirty="0" err="1"/>
+              <a:t>PlugFest</a:t>
+            </a:r>
+            <a:r>
+              <a:rPr lang="en-US" altLang="ja-JP" sz="3600" dirty="0"/>
+              <a:t> (24-25 </a:t>
+            </a:r>
+            <a:r>
+              <a:rPr lang="en-US" altLang="ja-JP" sz="3600" dirty="0" smtClean="0"/>
+              <a:t>March </a:t>
+            </a:r>
+            <a:r>
+              <a:rPr lang="en-US" altLang="ja-JP" sz="3600" dirty="0"/>
+              <a:t>2018)</a:t>
+            </a:r>
+            <a:br>
+              <a:rPr lang="en-US" altLang="ja-JP" sz="3600" dirty="0"/>
+            </a:br>
+            <a:r>
+              <a:rPr lang="en-US" altLang="ja-JP" sz="3600" dirty="0"/>
+              <a:t>@Oracle, Prague</a:t>
+            </a:r>
+            <a:endParaRPr lang="ja-JP" altLang="en-US" sz="3600" dirty="0"/>
+          </a:p>
+        </p:txBody>
+      </p:sp>
+      <p:sp>
+        <p:nvSpPr>
+          <p:cNvPr id="3" name="サブタイトル 2"/>
+          <p:cNvSpPr>
+            <a:spLocks noGrp="1"/>
+          </p:cNvSpPr>
+          <p:nvPr>
+            <p:ph type="subTitle" idx="1"/>
+          </p:nvPr>
+        </p:nvSpPr>
+        <p:spPr>
+          <a:xfrm>
+            <a:off x="1104900" y="5751512"/>
+            <a:ext cx="6858000" cy="836613"/>
+          </a:xfrm>
+        </p:spPr>
+        <p:txBody>
+          <a:bodyPr>
+            <a:normAutofit lnSpcReduction="10000"/>
+          </a:bodyPr>
+          <a:lstStyle/>
+          <a:p>
+            <a:r>
+              <a:rPr lang="en-US" altLang="ja-JP" dirty="0" smtClean="0"/>
+              <a:t>26 March 2018</a:t>
+            </a:r>
+          </a:p>
+          <a:p>
+            <a:r>
+              <a:rPr kumimoji="1" lang="en-US" altLang="ja-JP" dirty="0" smtClean="0"/>
+              <a:t>Ryuichi Matsukura, Fujitsu</a:t>
+            </a:r>
+            <a:endParaRPr kumimoji="1" lang="ja-JP" altLang="en-US" dirty="0"/>
+          </a:p>
+        </p:txBody>
+      </p:sp>
+      <p:sp>
+        <p:nvSpPr>
+          <p:cNvPr id="4" name="スライド番号プレースホルダー 3"/>
+          <p:cNvSpPr>
+            <a:spLocks noGrp="1"/>
+          </p:cNvSpPr>
+          <p:nvPr>
+            <p:ph type="sldNum" sz="quarter" idx="12"/>
+          </p:nvPr>
+        </p:nvSpPr>
+        <p:spPr/>
+        <p:txBody>
+          <a:bodyPr/>
+          <a:lstStyle/>
+          <a:p>
+            <a:fld id="{6C6C372F-AB6C-4C8E-BDD9-C231A90F89FC}" type="slidenum">
+              <a:rPr kumimoji="1" lang="ja-JP" altLang="en-US" smtClean="0"/>
+              <a:t>1</a:t>
+            </a:fld>
+            <a:endParaRPr kumimoji="1" lang="ja-JP" altLang="en-US" dirty="0"/>
+          </a:p>
+        </p:txBody>
+      </p:sp>
+      <p:sp>
+        <p:nvSpPr>
+          <p:cNvPr id="5" name="テキスト ボックス 4"/>
+          <p:cNvSpPr txBox="1"/>
+          <p:nvPr/>
+        </p:nvSpPr>
+        <p:spPr>
+          <a:xfrm>
+            <a:off x="5168986" y="2220557"/>
+            <a:ext cx="3854363" cy="2246769"/>
+          </a:xfrm>
+          <a:prstGeom prst="rect">
+            <a:avLst/>
+          </a:prstGeom>
+          <a:noFill/>
+        </p:spPr>
+        <p:txBody>
+          <a:bodyPr wrap="square" rtlCol="0">
+            <a:spAutoFit/>
+          </a:bodyPr>
+          <a:lstStyle/>
+          <a:p>
+            <a:r>
+              <a:rPr kumimoji="1" lang="en-US" altLang="ja-JP" sz="2000" dirty="0" smtClean="0"/>
+              <a:t>Participants(12):</a:t>
+            </a:r>
+          </a:p>
+          <a:p>
+            <a:r>
+              <a:rPr kumimoji="1" lang="en-US" altLang="ja-JP" sz="2000" dirty="0" smtClean="0"/>
+              <a:t>Oracle, Ericsson, EURECOM, Fujitsu, Hitachi, Intel, Internet Research Institute, The </a:t>
+            </a:r>
+            <a:r>
+              <a:rPr kumimoji="1" lang="en-US" altLang="ja-JP" sz="2000" dirty="0" err="1"/>
+              <a:t>Paciello</a:t>
+            </a:r>
+            <a:r>
+              <a:rPr kumimoji="1" lang="en-US" altLang="ja-JP" sz="2000" dirty="0"/>
+              <a:t> </a:t>
+            </a:r>
+            <a:r>
+              <a:rPr kumimoji="1" lang="en-US" altLang="ja-JP" sz="2000" dirty="0" smtClean="0"/>
+              <a:t>Group, </a:t>
+            </a:r>
+            <a:r>
+              <a:rPr kumimoji="1" lang="en-US" altLang="ja-JP" sz="2000" dirty="0"/>
+              <a:t>Panasonic, </a:t>
+            </a:r>
+            <a:r>
+              <a:rPr kumimoji="1" lang="en-US" altLang="ja-JP" sz="2000" dirty="0" smtClean="0"/>
+              <a:t>SmartThings/</a:t>
+            </a:r>
+            <a:r>
+              <a:rPr lang="en-US" altLang="ja-JP" sz="2000" dirty="0" smtClean="0"/>
+              <a:t>Samsung </a:t>
+            </a:r>
+            <a:r>
+              <a:rPr lang="en-US" altLang="ja-JP" sz="2000" dirty="0"/>
+              <a:t>Research</a:t>
+            </a:r>
+            <a:r>
+              <a:rPr kumimoji="1" lang="en-US" altLang="ja-JP" sz="2000" dirty="0" smtClean="0"/>
+              <a:t>, </a:t>
+            </a:r>
+            <a:r>
+              <a:rPr kumimoji="1" lang="en-US" altLang="ja-JP" sz="2000" dirty="0"/>
+              <a:t>Siemens, Technical University of Munich</a:t>
+            </a:r>
+            <a:endParaRPr kumimoji="1" lang="ja-JP" altLang="en-US" sz="2000" dirty="0"/>
+          </a:p>
+        </p:txBody>
+      </p:sp>
       <p:pic>
         <p:nvPicPr>
-          <p:cNvPr id="1026" name="Picture 2" descr="https://www.w3.org/WoT/IG/wiki/images/d/de/Aviatica_Exterior.jpg"/>
+          <p:cNvPr id="6" name="図 5"/>
           <p:cNvPicPr>
-            <a:picLocks noChangeAspect="1" noChangeArrowheads="1"/>
+            <a:picLocks noChangeAspect="1"/>
           </p:cNvPicPr>
           <p:nvPr/>
         </p:nvPicPr>
@@ -3277,215 +3461,20 @@
               </a:ext>
             </a:extLst>
           </a:blip>
-          <a:srcRect/>
           <a:stretch>
             <a:fillRect/>
           </a:stretch>
         </p:blipFill>
-        <p:spPr bwMode="auto">
-          <a:xfrm>
-            <a:off x="184617" y="1851691"/>
-            <a:ext cx="4946270" cy="3710909"/>
+        <p:spPr>
+          <a:xfrm>
+            <a:off x="231775" y="1799304"/>
+            <a:ext cx="4852627" cy="3639471"/>
           </a:xfrm>
           <a:prstGeom prst="rect">
             <a:avLst/>
           </a:prstGeom>
-          <a:noFill/>
-          <a:extLst>
-            <a:ext uri="{909E8E84-426E-40DD-AFC4-6F175D3DCCD1}">
-              <a14:hiddenFill xmlns:a14="http://schemas.microsoft.com/office/drawing/2010/main">
-                <a:solidFill>
-                  <a:srgbClr val="FFFFFF"/>
-                </a:solidFill>
-              </a14:hiddenFill>
-            </a:ext>
-          </a:extLst>
         </p:spPr>
       </p:pic>
-      <p:sp>
-        <p:nvSpPr>
-          <p:cNvPr id="2" name="タイトル 1"/>
-          <p:cNvSpPr>
-            <a:spLocks noGrp="1"/>
-          </p:cNvSpPr>
-          <p:nvPr>
-            <p:ph type="ctrTitle"/>
-          </p:nvPr>
-        </p:nvSpPr>
-        <p:spPr>
-          <a:xfrm>
-            <a:off x="546100" y="193675"/>
-            <a:ext cx="7975600" cy="1481804"/>
-          </a:xfrm>
-        </p:spPr>
-        <p:txBody>
-          <a:bodyPr>
-            <a:noAutofit/>
-          </a:bodyPr>
-          <a:lstStyle/>
-          <a:p>
-            <a:r>
-              <a:rPr lang="en-US" altLang="ja-JP" sz="3600" dirty="0"/>
-              <a:t>Summary of </a:t>
-            </a:r>
-            <a:r>
-              <a:rPr lang="en-US" altLang="ja-JP" sz="3600" dirty="0" err="1"/>
-              <a:t>PlugFest</a:t>
-            </a:r>
-            <a:r>
-              <a:rPr lang="en-US" altLang="ja-JP" sz="3600" dirty="0"/>
-              <a:t> (24-25 </a:t>
-            </a:r>
-            <a:r>
-              <a:rPr lang="en-US" altLang="ja-JP" sz="3600" dirty="0" smtClean="0"/>
-              <a:t>March </a:t>
-            </a:r>
-            <a:r>
-              <a:rPr lang="en-US" altLang="ja-JP" sz="3600" dirty="0"/>
-              <a:t>2018)</a:t>
-            </a:r>
-            <a:br>
-              <a:rPr lang="en-US" altLang="ja-JP" sz="3600" dirty="0"/>
-            </a:br>
-            <a:r>
-              <a:rPr lang="en-US" altLang="ja-JP" sz="3600" dirty="0"/>
-              <a:t>@Oracle, Prague</a:t>
-            </a:r>
-            <a:endParaRPr lang="ja-JP" altLang="en-US" sz="3600" dirty="0"/>
-          </a:p>
-        </p:txBody>
-      </p:sp>
-      <p:sp>
-        <p:nvSpPr>
-          <p:cNvPr id="3" name="サブタイトル 2"/>
-          <p:cNvSpPr>
-            <a:spLocks noGrp="1"/>
-          </p:cNvSpPr>
-          <p:nvPr>
-            <p:ph type="subTitle" idx="1"/>
-          </p:nvPr>
-        </p:nvSpPr>
-        <p:spPr>
-          <a:xfrm>
-            <a:off x="1104900" y="5751512"/>
-            <a:ext cx="6858000" cy="836613"/>
-          </a:xfrm>
-        </p:spPr>
-        <p:txBody>
-          <a:bodyPr>
-            <a:normAutofit lnSpcReduction="10000"/>
-          </a:bodyPr>
-          <a:lstStyle/>
-          <a:p>
-            <a:r>
-              <a:rPr lang="en-US" altLang="ja-JP" dirty="0" smtClean="0"/>
-              <a:t>26 March 2018</a:t>
-            </a:r>
-          </a:p>
-          <a:p>
-            <a:r>
-              <a:rPr kumimoji="1" lang="en-US" altLang="ja-JP" dirty="0" smtClean="0"/>
-              <a:t>Ryuichi Matsukura, Fujitsu</a:t>
-            </a:r>
-            <a:endParaRPr kumimoji="1" lang="ja-JP" altLang="en-US" dirty="0"/>
-          </a:p>
-        </p:txBody>
-      </p:sp>
-      <p:sp>
-        <p:nvSpPr>
-          <p:cNvPr id="4" name="スライド番号プレースホルダー 3"/>
-          <p:cNvSpPr>
-            <a:spLocks noGrp="1"/>
-          </p:cNvSpPr>
-          <p:nvPr>
-            <p:ph type="sldNum" sz="quarter" idx="12"/>
-          </p:nvPr>
-        </p:nvSpPr>
-        <p:spPr/>
-        <p:txBody>
-          <a:bodyPr/>
-          <a:lstStyle/>
-          <a:p>
-            <a:fld id="{6C6C372F-AB6C-4C8E-BDD9-C231A90F89FC}" type="slidenum">
-              <a:rPr kumimoji="1" lang="ja-JP" altLang="en-US" smtClean="0"/>
-              <a:t>1</a:t>
-            </a:fld>
-            <a:endParaRPr kumimoji="1" lang="ja-JP" altLang="en-US" dirty="0"/>
-          </a:p>
-        </p:txBody>
-      </p:sp>
-      <p:sp>
-        <p:nvSpPr>
-          <p:cNvPr id="5" name="テキスト ボックス 4"/>
-          <p:cNvSpPr txBox="1"/>
-          <p:nvPr/>
-        </p:nvSpPr>
-        <p:spPr>
-          <a:xfrm>
-            <a:off x="5188036" y="2101723"/>
-            <a:ext cx="3854363" cy="2246769"/>
-          </a:xfrm>
-          <a:prstGeom prst="rect">
-            <a:avLst/>
-          </a:prstGeom>
-          <a:noFill/>
-        </p:spPr>
-        <p:txBody>
-          <a:bodyPr wrap="square" rtlCol="0">
-            <a:spAutoFit/>
-          </a:bodyPr>
-          <a:lstStyle/>
-          <a:p>
-            <a:r>
-              <a:rPr kumimoji="1" lang="en-US" altLang="ja-JP" sz="2000" dirty="0" smtClean="0"/>
-              <a:t>Participants(12):</a:t>
-            </a:r>
-          </a:p>
-          <a:p>
-            <a:r>
-              <a:rPr kumimoji="1" lang="en-US" altLang="ja-JP" sz="2000" dirty="0" smtClean="0"/>
-              <a:t>Oracle, Ericsson, EURECOM, Fujitsu, Hitachi, Intel, Internet Research Institute, The </a:t>
-            </a:r>
-            <a:r>
-              <a:rPr kumimoji="1" lang="en-US" altLang="ja-JP" sz="2000" dirty="0" err="1"/>
-              <a:t>Paciello</a:t>
-            </a:r>
-            <a:r>
-              <a:rPr kumimoji="1" lang="en-US" altLang="ja-JP" sz="2000" dirty="0"/>
-              <a:t> </a:t>
-            </a:r>
-            <a:r>
-              <a:rPr kumimoji="1" lang="en-US" altLang="ja-JP" sz="2000" dirty="0" smtClean="0"/>
-              <a:t>Group, </a:t>
-            </a:r>
-            <a:r>
-              <a:rPr kumimoji="1" lang="en-US" altLang="ja-JP" sz="2000" dirty="0"/>
-              <a:t>Panasonic, </a:t>
-            </a:r>
-            <a:r>
-              <a:rPr kumimoji="1" lang="en-US" altLang="ja-JP" sz="2000" dirty="0" smtClean="0"/>
-              <a:t>SmartThings/</a:t>
-            </a:r>
-            <a:r>
-              <a:rPr lang="en-US" altLang="ja-JP" sz="2000" dirty="0" smtClean="0"/>
-              <a:t>Samsung </a:t>
-            </a:r>
-            <a:r>
-              <a:rPr lang="en-US" altLang="ja-JP" sz="2000" dirty="0"/>
-              <a:t>Research</a:t>
-            </a:r>
-            <a:r>
-              <a:rPr kumimoji="1" lang="en-US" altLang="ja-JP" sz="2000" dirty="0" smtClean="0"/>
-              <a:t>, </a:t>
-            </a:r>
-            <a:r>
-              <a:rPr kumimoji="1" lang="en-US" altLang="ja-JP" sz="2000" dirty="0"/>
-              <a:t>Siemens, Technical University of Munich</a:t>
-            </a:r>
-            <a:endParaRPr kumimoji="1" lang="ja-JP" altLang="en-US" sz="2000" dirty="0"/>
-          </a:p>
-        </p:txBody>
-      </p:sp>
     </p:spTree>
     <p:extLst>
       <p:ext uri="{BB962C8B-B14F-4D97-AF65-F5344CB8AC3E}">
@@ -3652,15 +3641,7 @@
             </a:r>
             <a:r>
               <a:rPr kumimoji="1" lang="en-US" altLang="ja-JP" sz="2800" dirty="0" smtClean="0"/>
-              <a:t> </a:t>
-            </a:r>
-            <a:r>
-              <a:rPr kumimoji="1" lang="en-US" altLang="ja-JP" sz="2800" dirty="0" smtClean="0"/>
-              <a:t>summary </a:t>
-            </a:r>
-            <a:r>
-              <a:rPr kumimoji="1" lang="en-US" altLang="ja-JP" sz="2800" dirty="0" smtClean="0"/>
-              <a:t>in Prague, 24-25 March 2018</a:t>
+              <a:t> summary in Prague, 24-25 March 2018</a:t>
             </a:r>
             <a:endParaRPr kumimoji="1" lang="ja-JP" altLang="en-US" sz="2800" dirty="0"/>
           </a:p>
@@ -10444,7 +10425,7 @@
       </p:sp>
       <p:sp>
         <p:nvSpPr>
-          <p:cNvPr id="295" name="スライド番号プレースホルダー 294"/>
+          <p:cNvPr id="6" name="スライド番号プレースホルダー 5"/>
           <p:cNvSpPr>
             <a:spLocks noGrp="1"/>
           </p:cNvSpPr>
